--- a/ZK-Bootcamp.pptx
+++ b/ZK-Bootcamp.pptx
@@ -6,16 +6,17 @@
   </p:sldMasterIdLst>
   <p:sldIdLst>
     <p:sldId id="256" r:id="rId2"/>
-    <p:sldId id="257" r:id="rId3"/>
-    <p:sldId id="258" r:id="rId4"/>
-    <p:sldId id="259" r:id="rId5"/>
-    <p:sldId id="260" r:id="rId6"/>
-    <p:sldId id="261" r:id="rId7"/>
-    <p:sldId id="265" r:id="rId8"/>
-    <p:sldId id="266" r:id="rId9"/>
-    <p:sldId id="262" r:id="rId10"/>
-    <p:sldId id="263" r:id="rId11"/>
-    <p:sldId id="264" r:id="rId12"/>
+    <p:sldId id="267" r:id="rId3"/>
+    <p:sldId id="257" r:id="rId4"/>
+    <p:sldId id="258" r:id="rId5"/>
+    <p:sldId id="259" r:id="rId6"/>
+    <p:sldId id="260" r:id="rId7"/>
+    <p:sldId id="261" r:id="rId8"/>
+    <p:sldId id="265" r:id="rId9"/>
+    <p:sldId id="266" r:id="rId10"/>
+    <p:sldId id="262" r:id="rId11"/>
+    <p:sldId id="263" r:id="rId12"/>
+    <p:sldId id="264" r:id="rId13"/>
   </p:sldIdLst>
   <p:sldSz cx="12192000" cy="6858000"/>
   <p:notesSz cx="6858000" cy="9144000"/>
@@ -3446,6 +3447,90 @@
           <p:cNvPr id="2" name="Title 1">
             <a:extLst>
               <a:ext uri="{FF2B5EF4-FFF2-40B4-BE49-F238E27FC236}">
+                <a16:creationId xmlns:a16="http://schemas.microsoft.com/office/drawing/2014/main" id="{4BE2B980-3CA6-714C-EED0-E2008636772E}"/>
+              </a:ext>
+            </a:extLst>
+          </p:cNvPr>
+          <p:cNvSpPr>
+            <a:spLocks noGrp="1"/>
+          </p:cNvSpPr>
+          <p:nvPr>
+            <p:ph type="title"/>
+          </p:nvPr>
+        </p:nvSpPr>
+        <p:spPr/>
+        <p:txBody>
+          <a:bodyPr/>
+          <a:lstStyle/>
+          <a:p>
+            <a:endParaRPr lang="en-IN"/>
+          </a:p>
+        </p:txBody>
+      </p:sp>
+      <p:pic>
+        <p:nvPicPr>
+          <p:cNvPr id="5" name="Content Placeholder 4">
+            <a:extLst>
+              <a:ext uri="{FF2B5EF4-FFF2-40B4-BE49-F238E27FC236}">
+                <a16:creationId xmlns:a16="http://schemas.microsoft.com/office/drawing/2014/main" id="{AEB0A121-5C3B-C88C-FE76-37D4B596CB35}"/>
+              </a:ext>
+            </a:extLst>
+          </p:cNvPr>
+          <p:cNvPicPr>
+            <a:picLocks noGrp="1" noChangeAspect="1"/>
+          </p:cNvPicPr>
+          <p:nvPr>
+            <p:ph idx="1"/>
+          </p:nvPr>
+        </p:nvPicPr>
+        <p:blipFill>
+          <a:blip r:embed="rId2"/>
+          <a:stretch>
+            <a:fillRect/>
+          </a:stretch>
+        </p:blipFill>
+        <p:spPr>
+          <a:xfrm>
+            <a:off x="2314047" y="1938843"/>
+            <a:ext cx="7563906" cy="4124901"/>
+          </a:xfrm>
+        </p:spPr>
+      </p:pic>
+    </p:spTree>
+    <p:extLst>
+      <p:ext uri="{BB962C8B-B14F-4D97-AF65-F5344CB8AC3E}">
+        <p14:creationId xmlns:p14="http://schemas.microsoft.com/office/powerpoint/2010/main" val="366190998"/>
+      </p:ext>
+    </p:extLst>
+  </p:cSld>
+  <p:clrMapOvr>
+    <a:masterClrMapping/>
+  </p:clrMapOvr>
+</p:sld>
+</file>
+
+<file path=ppt/slides/slide11.xml><?xml version="1.0" encoding="utf-8"?>
+<p:sld xmlns:a="http://schemas.openxmlformats.org/drawingml/2006/main" xmlns:r="http://schemas.openxmlformats.org/officeDocument/2006/relationships" xmlns:p="http://schemas.openxmlformats.org/presentationml/2006/main">
+  <p:cSld>
+    <p:spTree>
+      <p:nvGrpSpPr>
+        <p:cNvPr id="1" name=""/>
+        <p:cNvGrpSpPr/>
+        <p:nvPr/>
+      </p:nvGrpSpPr>
+      <p:grpSpPr>
+        <a:xfrm>
+          <a:off x="0" y="0"/>
+          <a:ext cx="0" cy="0"/>
+          <a:chOff x="0" y="0"/>
+          <a:chExt cx="0" cy="0"/>
+        </a:xfrm>
+      </p:grpSpPr>
+      <p:sp>
+        <p:nvSpPr>
+          <p:cNvPr id="2" name="Title 1">
+            <a:extLst>
+              <a:ext uri="{FF2B5EF4-FFF2-40B4-BE49-F238E27FC236}">
                 <a16:creationId xmlns:a16="http://schemas.microsoft.com/office/drawing/2014/main" id="{93A89AFD-7933-FF7F-6CC3-07D625418F78}"/>
               </a:ext>
             </a:extLst>
@@ -3508,7 +3593,7 @@
 </p:sld>
 </file>
 
-<file path=ppt/slides/slide11.xml><?xml version="1.0" encoding="utf-8"?>
+<file path=ppt/slides/slide12.xml><?xml version="1.0" encoding="utf-8"?>
 <p:sld xmlns:a="http://schemas.openxmlformats.org/drawingml/2006/main" xmlns:r="http://schemas.openxmlformats.org/officeDocument/2006/relationships" xmlns:p="http://schemas.openxmlformats.org/presentationml/2006/main">
   <p:cSld>
     <p:spTree>
@@ -3614,6 +3699,90 @@
           <p:cNvPr id="2" name="Title 1">
             <a:extLst>
               <a:ext uri="{FF2B5EF4-FFF2-40B4-BE49-F238E27FC236}">
+                <a16:creationId xmlns:a16="http://schemas.microsoft.com/office/drawing/2014/main" id="{8B519DE7-8B53-7F1E-C807-C08C11326A3A}"/>
+              </a:ext>
+            </a:extLst>
+          </p:cNvPr>
+          <p:cNvSpPr>
+            <a:spLocks noGrp="1"/>
+          </p:cNvSpPr>
+          <p:nvPr>
+            <p:ph type="title"/>
+          </p:nvPr>
+        </p:nvSpPr>
+        <p:spPr/>
+        <p:txBody>
+          <a:bodyPr/>
+          <a:lstStyle/>
+          <a:p>
+            <a:endParaRPr lang="en-IN"/>
+          </a:p>
+        </p:txBody>
+      </p:sp>
+      <p:pic>
+        <p:nvPicPr>
+          <p:cNvPr id="5" name="Content Placeholder 4">
+            <a:extLst>
+              <a:ext uri="{FF2B5EF4-FFF2-40B4-BE49-F238E27FC236}">
+                <a16:creationId xmlns:a16="http://schemas.microsoft.com/office/drawing/2014/main" id="{536AB5FD-2412-F57D-7622-226F10867869}"/>
+              </a:ext>
+            </a:extLst>
+          </p:cNvPr>
+          <p:cNvPicPr>
+            <a:picLocks noGrp="1" noChangeAspect="1"/>
+          </p:cNvPicPr>
+          <p:nvPr>
+            <p:ph idx="1"/>
+          </p:nvPr>
+        </p:nvPicPr>
+        <p:blipFill>
+          <a:blip r:embed="rId2"/>
+          <a:stretch>
+            <a:fillRect/>
+          </a:stretch>
+        </p:blipFill>
+        <p:spPr>
+          <a:xfrm>
+            <a:off x="2164378" y="1825625"/>
+            <a:ext cx="7863244" cy="4351338"/>
+          </a:xfrm>
+        </p:spPr>
+      </p:pic>
+    </p:spTree>
+    <p:extLst>
+      <p:ext uri="{BB962C8B-B14F-4D97-AF65-F5344CB8AC3E}">
+        <p14:creationId xmlns:p14="http://schemas.microsoft.com/office/powerpoint/2010/main" val="3588359070"/>
+      </p:ext>
+    </p:extLst>
+  </p:cSld>
+  <p:clrMapOvr>
+    <a:masterClrMapping/>
+  </p:clrMapOvr>
+</p:sld>
+</file>
+
+<file path=ppt/slides/slide3.xml><?xml version="1.0" encoding="utf-8"?>
+<p:sld xmlns:a="http://schemas.openxmlformats.org/drawingml/2006/main" xmlns:r="http://schemas.openxmlformats.org/officeDocument/2006/relationships" xmlns:p="http://schemas.openxmlformats.org/presentationml/2006/main">
+  <p:cSld>
+    <p:spTree>
+      <p:nvGrpSpPr>
+        <p:cNvPr id="1" name=""/>
+        <p:cNvGrpSpPr/>
+        <p:nvPr/>
+      </p:nvGrpSpPr>
+      <p:grpSpPr>
+        <a:xfrm>
+          <a:off x="0" y="0"/>
+          <a:ext cx="0" cy="0"/>
+          <a:chOff x="0" y="0"/>
+          <a:chExt cx="0" cy="0"/>
+        </a:xfrm>
+      </p:grpSpPr>
+      <p:sp>
+        <p:nvSpPr>
+          <p:cNvPr id="2" name="Title 1">
+            <a:extLst>
+              <a:ext uri="{FF2B5EF4-FFF2-40B4-BE49-F238E27FC236}">
                 <a16:creationId xmlns:a16="http://schemas.microsoft.com/office/drawing/2014/main" id="{27F0DFAE-B2D9-B511-DE5B-FF278AFA1C53}"/>
               </a:ext>
             </a:extLst>
@@ -3702,7 +3871,7 @@
 </p:sld>
 </file>
 
-<file path=ppt/slides/slide3.xml><?xml version="1.0" encoding="utf-8"?>
+<file path=ppt/slides/slide4.xml><?xml version="1.0" encoding="utf-8"?>
 <p:sld xmlns:a="http://schemas.openxmlformats.org/drawingml/2006/main" xmlns:r="http://schemas.openxmlformats.org/officeDocument/2006/relationships" xmlns:p="http://schemas.openxmlformats.org/presentationml/2006/main">
   <p:cSld>
     <p:spTree>
@@ -3786,7 +3955,7 @@
 </p:sld>
 </file>
 
-<file path=ppt/slides/slide4.xml><?xml version="1.0" encoding="utf-8"?>
+<file path=ppt/slides/slide5.xml><?xml version="1.0" encoding="utf-8"?>
 <p:sld xmlns:a="http://schemas.openxmlformats.org/drawingml/2006/main" xmlns:r="http://schemas.openxmlformats.org/officeDocument/2006/relationships" xmlns:p="http://schemas.openxmlformats.org/presentationml/2006/main">
   <p:cSld>
     <p:spTree>
@@ -3870,7 +4039,7 @@
 </p:sld>
 </file>
 
-<file path=ppt/slides/slide5.xml><?xml version="1.0" encoding="utf-8"?>
+<file path=ppt/slides/slide6.xml><?xml version="1.0" encoding="utf-8"?>
 <p:sld xmlns:a="http://schemas.openxmlformats.org/drawingml/2006/main" xmlns:r="http://schemas.openxmlformats.org/officeDocument/2006/relationships" xmlns:p="http://schemas.openxmlformats.org/presentationml/2006/main">
   <p:cSld>
     <p:spTree>
@@ -3954,7 +4123,7 @@
 </p:sld>
 </file>
 
-<file path=ppt/slides/slide6.xml><?xml version="1.0" encoding="utf-8"?>
+<file path=ppt/slides/slide7.xml><?xml version="1.0" encoding="utf-8"?>
 <p:sld xmlns:a="http://schemas.openxmlformats.org/drawingml/2006/main" xmlns:r="http://schemas.openxmlformats.org/officeDocument/2006/relationships" xmlns:p="http://schemas.openxmlformats.org/presentationml/2006/main">
   <p:cSld>
     <p:spTree>
@@ -4038,7 +4207,7 @@
 </p:sld>
 </file>
 
-<file path=ppt/slides/slide7.xml><?xml version="1.0" encoding="utf-8"?>
+<file path=ppt/slides/slide8.xml><?xml version="1.0" encoding="utf-8"?>
 <p:sld xmlns:a="http://schemas.openxmlformats.org/drawingml/2006/main" xmlns:r="http://schemas.openxmlformats.org/officeDocument/2006/relationships" xmlns:p="http://schemas.openxmlformats.org/presentationml/2006/main">
   <p:cSld>
     <p:spTree>
@@ -4122,7 +4291,7 @@
 </p:sld>
 </file>
 
-<file path=ppt/slides/slide8.xml><?xml version="1.0" encoding="utf-8"?>
+<file path=ppt/slides/slide9.xml><?xml version="1.0" encoding="utf-8"?>
 <p:sld xmlns:a="http://schemas.openxmlformats.org/drawingml/2006/main" xmlns:r="http://schemas.openxmlformats.org/officeDocument/2006/relationships" xmlns:p="http://schemas.openxmlformats.org/presentationml/2006/main">
   <p:cSld>
     <p:spTree>
@@ -4197,90 +4366,6 @@
     <p:extLst>
       <p:ext uri="{BB962C8B-B14F-4D97-AF65-F5344CB8AC3E}">
         <p14:creationId xmlns:p14="http://schemas.microsoft.com/office/powerpoint/2010/main" val="1029233980"/>
-      </p:ext>
-    </p:extLst>
-  </p:cSld>
-  <p:clrMapOvr>
-    <a:masterClrMapping/>
-  </p:clrMapOvr>
-</p:sld>
-</file>
-
-<file path=ppt/slides/slide9.xml><?xml version="1.0" encoding="utf-8"?>
-<p:sld xmlns:a="http://schemas.openxmlformats.org/drawingml/2006/main" xmlns:r="http://schemas.openxmlformats.org/officeDocument/2006/relationships" xmlns:p="http://schemas.openxmlformats.org/presentationml/2006/main">
-  <p:cSld>
-    <p:spTree>
-      <p:nvGrpSpPr>
-        <p:cNvPr id="1" name=""/>
-        <p:cNvGrpSpPr/>
-        <p:nvPr/>
-      </p:nvGrpSpPr>
-      <p:grpSpPr>
-        <a:xfrm>
-          <a:off x="0" y="0"/>
-          <a:ext cx="0" cy="0"/>
-          <a:chOff x="0" y="0"/>
-          <a:chExt cx="0" cy="0"/>
-        </a:xfrm>
-      </p:grpSpPr>
-      <p:sp>
-        <p:nvSpPr>
-          <p:cNvPr id="2" name="Title 1">
-            <a:extLst>
-              <a:ext uri="{FF2B5EF4-FFF2-40B4-BE49-F238E27FC236}">
-                <a16:creationId xmlns:a16="http://schemas.microsoft.com/office/drawing/2014/main" id="{4BE2B980-3CA6-714C-EED0-E2008636772E}"/>
-              </a:ext>
-            </a:extLst>
-          </p:cNvPr>
-          <p:cNvSpPr>
-            <a:spLocks noGrp="1"/>
-          </p:cNvSpPr>
-          <p:nvPr>
-            <p:ph type="title"/>
-          </p:nvPr>
-        </p:nvSpPr>
-        <p:spPr/>
-        <p:txBody>
-          <a:bodyPr/>
-          <a:lstStyle/>
-          <a:p>
-            <a:endParaRPr lang="en-IN"/>
-          </a:p>
-        </p:txBody>
-      </p:sp>
-      <p:pic>
-        <p:nvPicPr>
-          <p:cNvPr id="5" name="Content Placeholder 4">
-            <a:extLst>
-              <a:ext uri="{FF2B5EF4-FFF2-40B4-BE49-F238E27FC236}">
-                <a16:creationId xmlns:a16="http://schemas.microsoft.com/office/drawing/2014/main" id="{AEB0A121-5C3B-C88C-FE76-37D4B596CB35}"/>
-              </a:ext>
-            </a:extLst>
-          </p:cNvPr>
-          <p:cNvPicPr>
-            <a:picLocks noGrp="1" noChangeAspect="1"/>
-          </p:cNvPicPr>
-          <p:nvPr>
-            <p:ph idx="1"/>
-          </p:nvPr>
-        </p:nvPicPr>
-        <p:blipFill>
-          <a:blip r:embed="rId2"/>
-          <a:stretch>
-            <a:fillRect/>
-          </a:stretch>
-        </p:blipFill>
-        <p:spPr>
-          <a:xfrm>
-            <a:off x="2314047" y="1938843"/>
-            <a:ext cx="7563906" cy="4124901"/>
-          </a:xfrm>
-        </p:spPr>
-      </p:pic>
-    </p:spTree>
-    <p:extLst>
-      <p:ext uri="{BB962C8B-B14F-4D97-AF65-F5344CB8AC3E}">
-        <p14:creationId xmlns:p14="http://schemas.microsoft.com/office/powerpoint/2010/main" val="366190998"/>
       </p:ext>
     </p:extLst>
   </p:cSld>
